--- a/thesis/img/ppt-Abbildungen.pptx
+++ b/thesis/img/ppt-Abbildungen.pptx
@@ -7,6 +7,7 @@
   <p:sldIdLst>
     <p:sldId id="256" r:id="rId2"/>
     <p:sldId id="257" r:id="rId3"/>
+    <p:sldId id="258" r:id="rId4"/>
   </p:sldIdLst>
   <p:sldSz cx="12192000" cy="6858000"/>
   <p:notesSz cx="6858000" cy="9144000"/>
@@ -105,6 +106,11 @@
       </a:defRPr>
     </a:lvl9pPr>
   </p:defaultTextStyle>
+  <p:extLst>
+    <p:ext uri="{EFAFB233-063F-42B5-8137-9DF3F51BA10A}">
+      <p15:sldGuideLst xmlns:p15="http://schemas.microsoft.com/office/powerpoint/2012/main"/>
+    </p:ext>
+  </p:extLst>
 </p:presentation>
 </file>
 
@@ -257,7 +263,7 @@
           <a:p>
             <a:fld id="{0C74ABCA-5AF1-4C7F-908A-11F5F3582488}" type="datetimeFigureOut">
               <a:rPr lang="en-US" smtClean="0"/>
-              <a:t>8/3/2022</a:t>
+              <a:t>8/12/2022</a:t>
             </a:fld>
             <a:endParaRPr lang="en-US"/>
           </a:p>
@@ -457,7 +463,7 @@
           <a:p>
             <a:fld id="{0C74ABCA-5AF1-4C7F-908A-11F5F3582488}" type="datetimeFigureOut">
               <a:rPr lang="en-US" smtClean="0"/>
-              <a:t>8/3/2022</a:t>
+              <a:t>8/12/2022</a:t>
             </a:fld>
             <a:endParaRPr lang="en-US"/>
           </a:p>
@@ -667,7 +673,7 @@
           <a:p>
             <a:fld id="{0C74ABCA-5AF1-4C7F-908A-11F5F3582488}" type="datetimeFigureOut">
               <a:rPr lang="en-US" smtClean="0"/>
-              <a:t>8/3/2022</a:t>
+              <a:t>8/12/2022</a:t>
             </a:fld>
             <a:endParaRPr lang="en-US"/>
           </a:p>
@@ -867,7 +873,7 @@
           <a:p>
             <a:fld id="{0C74ABCA-5AF1-4C7F-908A-11F5F3582488}" type="datetimeFigureOut">
               <a:rPr lang="en-US" smtClean="0"/>
-              <a:t>8/3/2022</a:t>
+              <a:t>8/12/2022</a:t>
             </a:fld>
             <a:endParaRPr lang="en-US"/>
           </a:p>
@@ -1143,7 +1149,7 @@
           <a:p>
             <a:fld id="{0C74ABCA-5AF1-4C7F-908A-11F5F3582488}" type="datetimeFigureOut">
               <a:rPr lang="en-US" smtClean="0"/>
-              <a:t>8/3/2022</a:t>
+              <a:t>8/12/2022</a:t>
             </a:fld>
             <a:endParaRPr lang="en-US"/>
           </a:p>
@@ -1411,7 +1417,7 @@
           <a:p>
             <a:fld id="{0C74ABCA-5AF1-4C7F-908A-11F5F3582488}" type="datetimeFigureOut">
               <a:rPr lang="en-US" smtClean="0"/>
-              <a:t>8/3/2022</a:t>
+              <a:t>8/12/2022</a:t>
             </a:fld>
             <a:endParaRPr lang="en-US"/>
           </a:p>
@@ -1826,7 +1832,7 @@
           <a:p>
             <a:fld id="{0C74ABCA-5AF1-4C7F-908A-11F5F3582488}" type="datetimeFigureOut">
               <a:rPr lang="en-US" smtClean="0"/>
-              <a:t>8/3/2022</a:t>
+              <a:t>8/12/2022</a:t>
             </a:fld>
             <a:endParaRPr lang="en-US"/>
           </a:p>
@@ -1968,7 +1974,7 @@
           <a:p>
             <a:fld id="{0C74ABCA-5AF1-4C7F-908A-11F5F3582488}" type="datetimeFigureOut">
               <a:rPr lang="en-US" smtClean="0"/>
-              <a:t>8/3/2022</a:t>
+              <a:t>8/12/2022</a:t>
             </a:fld>
             <a:endParaRPr lang="en-US"/>
           </a:p>
@@ -2081,7 +2087,7 @@
           <a:p>
             <a:fld id="{0C74ABCA-5AF1-4C7F-908A-11F5F3582488}" type="datetimeFigureOut">
               <a:rPr lang="en-US" smtClean="0"/>
-              <a:t>8/3/2022</a:t>
+              <a:t>8/12/2022</a:t>
             </a:fld>
             <a:endParaRPr lang="en-US"/>
           </a:p>
@@ -2394,7 +2400,7 @@
           <a:p>
             <a:fld id="{0C74ABCA-5AF1-4C7F-908A-11F5F3582488}" type="datetimeFigureOut">
               <a:rPr lang="en-US" smtClean="0"/>
-              <a:t>8/3/2022</a:t>
+              <a:t>8/12/2022</a:t>
             </a:fld>
             <a:endParaRPr lang="en-US"/>
           </a:p>
@@ -2683,7 +2689,7 @@
           <a:p>
             <a:fld id="{0C74ABCA-5AF1-4C7F-908A-11F5F3582488}" type="datetimeFigureOut">
               <a:rPr lang="en-US" smtClean="0"/>
-              <a:t>8/3/2022</a:t>
+              <a:t>8/12/2022</a:t>
             </a:fld>
             <a:endParaRPr lang="en-US"/>
           </a:p>
@@ -2926,7 +2932,7 @@
           <a:p>
             <a:fld id="{0C74ABCA-5AF1-4C7F-908A-11F5F3582488}" type="datetimeFigureOut">
               <a:rPr lang="en-US" smtClean="0"/>
-              <a:t>8/3/2022</a:t>
+              <a:t>8/12/2022</a:t>
             </a:fld>
             <a:endParaRPr lang="en-US"/>
           </a:p>
@@ -4077,8 +4083,8 @@
           </a:p>
         </p:txBody>
       </p:sp>
-      <mc:AlternateContent xmlns:mc="http://schemas.openxmlformats.org/markup-compatibility/2006">
-        <mc:Choice xmlns:a14="http://schemas.microsoft.com/office/drawing/2010/main" Requires="a14">
+      <mc:AlternateContent xmlns:mc="http://schemas.openxmlformats.org/markup-compatibility/2006" xmlns:a14="http://schemas.microsoft.com/office/drawing/2010/main">
+        <mc:Choice Requires="a14">
           <p:sp>
             <p:nvSpPr>
               <p:cNvPr id="44" name="Textfeld 43">
@@ -4157,7 +4163,7 @@
             </p:txBody>
           </p:sp>
         </mc:Choice>
-        <mc:Fallback>
+        <mc:Fallback xmlns="">
           <p:sp>
             <p:nvSpPr>
               <p:cNvPr id="44" name="Textfeld 43">
@@ -7066,6 +7072,1673 @@
     <p:extLst>
       <p:ext uri="{BB962C8B-B14F-4D97-AF65-F5344CB8AC3E}">
         <p14:creationId xmlns:p14="http://schemas.microsoft.com/office/powerpoint/2010/main" val="3949303339"/>
+      </p:ext>
+    </p:extLst>
+  </p:cSld>
+  <p:clrMapOvr>
+    <a:masterClrMapping/>
+  </p:clrMapOvr>
+</p:sld>
+</file>
+
+<file path=ppt/slides/slide3.xml><?xml version="1.0" encoding="utf-8"?>
+<p:sld xmlns:a="http://schemas.openxmlformats.org/drawingml/2006/main" xmlns:r="http://schemas.openxmlformats.org/officeDocument/2006/relationships" xmlns:p="http://schemas.openxmlformats.org/presentationml/2006/main">
+  <p:cSld>
+    <p:spTree>
+      <p:nvGrpSpPr>
+        <p:cNvPr id="1" name=""/>
+        <p:cNvGrpSpPr/>
+        <p:nvPr/>
+      </p:nvGrpSpPr>
+      <p:grpSpPr>
+        <a:xfrm>
+          <a:off x="0" y="0"/>
+          <a:ext cx="0" cy="0"/>
+          <a:chOff x="0" y="0"/>
+          <a:chExt cx="0" cy="0"/>
+        </a:xfrm>
+      </p:grpSpPr>
+      <p:cxnSp>
+        <p:nvCxnSpPr>
+          <p:cNvPr id="4" name="Gerader Verbinder 3">
+            <a:extLst>
+              <a:ext uri="{FF2B5EF4-FFF2-40B4-BE49-F238E27FC236}">
+                <a16:creationId xmlns:a16="http://schemas.microsoft.com/office/drawing/2014/main" id="{34DF66AD-E1CD-0E67-ECC7-9D5131E7B9EB}"/>
+              </a:ext>
+            </a:extLst>
+          </p:cNvPr>
+          <p:cNvCxnSpPr/>
+          <p:nvPr/>
+        </p:nvCxnSpPr>
+        <p:spPr>
+          <a:xfrm flipV="1">
+            <a:off x="3583973" y="2192948"/>
+            <a:ext cx="4673600" cy="6350"/>
+          </a:xfrm>
+          <a:prstGeom prst="line">
+            <a:avLst/>
+          </a:prstGeom>
+          <a:ln w="76200">
+            <a:solidFill>
+              <a:schemeClr val="tx1"/>
+            </a:solidFill>
+          </a:ln>
+        </p:spPr>
+        <p:style>
+          <a:lnRef idx="1">
+            <a:schemeClr val="accent1"/>
+          </a:lnRef>
+          <a:fillRef idx="0">
+            <a:schemeClr val="accent1"/>
+          </a:fillRef>
+          <a:effectRef idx="0">
+            <a:schemeClr val="accent1"/>
+          </a:effectRef>
+          <a:fontRef idx="minor">
+            <a:schemeClr val="tx1"/>
+          </a:fontRef>
+        </p:style>
+      </p:cxnSp>
+      <p:sp>
+        <p:nvSpPr>
+          <p:cNvPr id="5" name="Ellipse 4">
+            <a:extLst>
+              <a:ext uri="{FF2B5EF4-FFF2-40B4-BE49-F238E27FC236}">
+                <a16:creationId xmlns:a16="http://schemas.microsoft.com/office/drawing/2014/main" id="{ED086AE1-D618-7E85-6E53-1A9DE7F9B5D2}"/>
+              </a:ext>
+            </a:extLst>
+          </p:cNvPr>
+          <p:cNvSpPr/>
+          <p:nvPr/>
+        </p:nvSpPr>
+        <p:spPr>
+          <a:xfrm>
+            <a:off x="3349023" y="1951648"/>
+            <a:ext cx="482600" cy="482600"/>
+          </a:xfrm>
+          <a:prstGeom prst="ellipse">
+            <a:avLst/>
+          </a:prstGeom>
+        </p:spPr>
+        <p:style>
+          <a:lnRef idx="2">
+            <a:schemeClr val="accent1">
+              <a:shade val="50000"/>
+            </a:schemeClr>
+          </a:lnRef>
+          <a:fillRef idx="1">
+            <a:schemeClr val="accent1"/>
+          </a:fillRef>
+          <a:effectRef idx="0">
+            <a:schemeClr val="accent1"/>
+          </a:effectRef>
+          <a:fontRef idx="minor">
+            <a:schemeClr val="lt1"/>
+          </a:fontRef>
+        </p:style>
+        <p:txBody>
+          <a:bodyPr rot="0" spcFirstLastPara="0" vert="horz" wrap="square" lIns="91440" tIns="45720" rIns="91440" bIns="45720" numCol="1" spcCol="0" rtlCol="0" fromWordArt="0" anchor="ctr" anchorCtr="0" forceAA="0" compatLnSpc="1">
+            <a:prstTxWarp prst="textNoShape">
+              <a:avLst/>
+            </a:prstTxWarp>
+            <a:noAutofit/>
+          </a:bodyPr>
+          <a:lstStyle/>
+          <a:p>
+            <a:endParaRPr lang="en-US"/>
+          </a:p>
+        </p:txBody>
+      </p:sp>
+      <p:sp>
+        <p:nvSpPr>
+          <p:cNvPr id="6" name="Ellipse 5">
+            <a:extLst>
+              <a:ext uri="{FF2B5EF4-FFF2-40B4-BE49-F238E27FC236}">
+                <a16:creationId xmlns:a16="http://schemas.microsoft.com/office/drawing/2014/main" id="{440D95F8-5EAF-E4C6-06AC-8F139C021A70}"/>
+              </a:ext>
+            </a:extLst>
+          </p:cNvPr>
+          <p:cNvSpPr/>
+          <p:nvPr/>
+        </p:nvSpPr>
+        <p:spPr>
+          <a:xfrm>
+            <a:off x="8009923" y="1951648"/>
+            <a:ext cx="482600" cy="482600"/>
+          </a:xfrm>
+          <a:prstGeom prst="ellipse">
+            <a:avLst/>
+          </a:prstGeom>
+        </p:spPr>
+        <p:style>
+          <a:lnRef idx="2">
+            <a:schemeClr val="accent1">
+              <a:shade val="50000"/>
+            </a:schemeClr>
+          </a:lnRef>
+          <a:fillRef idx="1">
+            <a:schemeClr val="accent1"/>
+          </a:fillRef>
+          <a:effectRef idx="0">
+            <a:schemeClr val="accent1"/>
+          </a:effectRef>
+          <a:fontRef idx="minor">
+            <a:schemeClr val="lt1"/>
+          </a:fontRef>
+        </p:style>
+        <p:txBody>
+          <a:bodyPr rot="0" spcFirstLastPara="0" vert="horz" wrap="square" lIns="91440" tIns="45720" rIns="91440" bIns="45720" numCol="1" spcCol="0" rtlCol="0" fromWordArt="0" anchor="ctr" anchorCtr="0" forceAA="0" compatLnSpc="1">
+            <a:prstTxWarp prst="textNoShape">
+              <a:avLst/>
+            </a:prstTxWarp>
+            <a:noAutofit/>
+          </a:bodyPr>
+          <a:lstStyle/>
+          <a:p>
+            <a:endParaRPr lang="en-US"/>
+          </a:p>
+        </p:txBody>
+      </p:sp>
+      <p:sp>
+        <p:nvSpPr>
+          <p:cNvPr id="7" name="Textfeld 5">
+            <a:extLst>
+              <a:ext uri="{FF2B5EF4-FFF2-40B4-BE49-F238E27FC236}">
+                <a16:creationId xmlns:a16="http://schemas.microsoft.com/office/drawing/2014/main" id="{FBEED4F4-A8F4-1C72-D9AC-04D636C54F4A}"/>
+              </a:ext>
+            </a:extLst>
+          </p:cNvPr>
+          <p:cNvSpPr txBox="1">
+            <a:spLocks noChangeArrowheads="1"/>
+          </p:cNvSpPr>
+          <p:nvPr/>
+        </p:nvSpPr>
+        <p:spPr bwMode="auto">
+          <a:xfrm>
+            <a:off x="3018822" y="1465873"/>
+            <a:ext cx="1295401" cy="412750"/>
+          </a:xfrm>
+          <a:prstGeom prst="rect">
+            <a:avLst/>
+          </a:prstGeom>
+          <a:noFill/>
+          <a:ln>
+            <a:noFill/>
+          </a:ln>
+          <a:extLst>
+            <a:ext uri="{909E8E84-426E-40DD-AFC4-6F175D3DCCD1}">
+              <a14:hiddenFill xmlns:a14="http://schemas.microsoft.com/office/drawing/2010/main">
+                <a:solidFill>
+                  <a:srgbClr val="FFFFFF"/>
+                </a:solidFill>
+              </a14:hiddenFill>
+            </a:ext>
+            <a:ext uri="{91240B29-F687-4F45-9708-019B960494DF}">
+              <a14:hiddenLine xmlns:a14="http://schemas.microsoft.com/office/drawing/2010/main" w="6350">
+                <a:solidFill>
+                  <a:srgbClr val="000000"/>
+                </a:solidFill>
+                <a:miter lim="800000"/>
+                <a:headEnd/>
+                <a:tailEnd/>
+              </a14:hiddenLine>
+            </a:ext>
+          </a:extLst>
+        </p:spPr>
+        <p:txBody>
+          <a:bodyPr vert="horz" wrap="square" lIns="91440" tIns="45720" rIns="91440" bIns="45720" numCol="1" anchor="t" anchorCtr="0" compatLnSpc="1">
+            <a:prstTxWarp prst="textNoShape">
+              <a:avLst/>
+            </a:prstTxWarp>
+          </a:bodyPr>
+          <a:lstStyle/>
+          <a:p>
+            <a:pPr marL="0" marR="0" lvl="0" indent="0" algn="l" defTabSz="914400" rtl="0" eaLnBrk="0" fontAlgn="base" latinLnBrk="0" hangingPunct="0">
+              <a:lnSpc>
+                <a:spcPct val="100000"/>
+              </a:lnSpc>
+              <a:spcBef>
+                <a:spcPct val="0"/>
+              </a:spcBef>
+              <a:spcAft>
+                <a:spcPct val="0"/>
+              </a:spcAft>
+              <a:buClrTx/>
+              <a:buSzTx/>
+              <a:buFontTx/>
+              <a:buNone/>
+              <a:tabLst/>
+            </a:pPr>
+            <a:r>
+              <a:rPr kumimoji="0" lang="de-DE" altLang="ko-KR" sz="1600" b="0" i="0" u="none" strike="noStrike" cap="none" normalizeH="0" baseline="0">
+                <a:ln>
+                  <a:noFill/>
+                </a:ln>
+                <a:solidFill>
+                  <a:schemeClr val="tx1"/>
+                </a:solidFill>
+                <a:effectLst/>
+                <a:latin typeface="Calibri" panose="020F0502020204030204" pitchFamily="34" charset="0"/>
+                <a:ea typeface="Malgun Gothic" panose="020B0503020000020004" pitchFamily="34" charset="-127"/>
+                <a:cs typeface="Times New Roman" panose="02020603050405020304" pitchFamily="18" charset="0"/>
+              </a:rPr>
+              <a:t>Keyframe A</a:t>
+            </a:r>
+            <a:endParaRPr kumimoji="0" lang="de-DE" altLang="ko-KR" sz="1800" b="0" i="0" u="none" strike="noStrike" cap="none" normalizeH="0" baseline="0">
+              <a:ln>
+                <a:noFill/>
+              </a:ln>
+              <a:solidFill>
+                <a:schemeClr val="tx1"/>
+              </a:solidFill>
+              <a:effectLst/>
+              <a:latin typeface="Arial" panose="020B0604020202020204" pitchFamily="34" charset="0"/>
+            </a:endParaRPr>
+          </a:p>
+        </p:txBody>
+      </p:sp>
+      <p:sp>
+        <p:nvSpPr>
+          <p:cNvPr id="8" name="Textfeld 6">
+            <a:extLst>
+              <a:ext uri="{FF2B5EF4-FFF2-40B4-BE49-F238E27FC236}">
+                <a16:creationId xmlns:a16="http://schemas.microsoft.com/office/drawing/2014/main" id="{5A0C337E-40A2-4E60-7A89-58EF12674499}"/>
+              </a:ext>
+            </a:extLst>
+          </p:cNvPr>
+          <p:cNvSpPr txBox="1">
+            <a:spLocks noChangeArrowheads="1"/>
+          </p:cNvSpPr>
+          <p:nvPr/>
+        </p:nvSpPr>
+        <p:spPr bwMode="auto">
+          <a:xfrm>
+            <a:off x="7585409" y="1478974"/>
+            <a:ext cx="1162050" cy="412750"/>
+          </a:xfrm>
+          <a:prstGeom prst="rect">
+            <a:avLst/>
+          </a:prstGeom>
+          <a:noFill/>
+          <a:ln>
+            <a:noFill/>
+          </a:ln>
+          <a:extLst>
+            <a:ext uri="{909E8E84-426E-40DD-AFC4-6F175D3DCCD1}">
+              <a14:hiddenFill xmlns:a14="http://schemas.microsoft.com/office/drawing/2010/main">
+                <a:solidFill>
+                  <a:srgbClr val="FFFFFF"/>
+                </a:solidFill>
+              </a14:hiddenFill>
+            </a:ext>
+            <a:ext uri="{91240B29-F687-4F45-9708-019B960494DF}">
+              <a14:hiddenLine xmlns:a14="http://schemas.microsoft.com/office/drawing/2010/main" w="6350">
+                <a:solidFill>
+                  <a:srgbClr val="000000"/>
+                </a:solidFill>
+                <a:miter lim="800000"/>
+                <a:headEnd/>
+                <a:tailEnd/>
+              </a14:hiddenLine>
+            </a:ext>
+          </a:extLst>
+        </p:spPr>
+        <p:txBody>
+          <a:bodyPr vert="horz" wrap="square" lIns="91440" tIns="45720" rIns="91440" bIns="45720" numCol="1" anchor="t" anchorCtr="0" compatLnSpc="1">
+            <a:prstTxWarp prst="textNoShape">
+              <a:avLst/>
+            </a:prstTxWarp>
+          </a:bodyPr>
+          <a:lstStyle/>
+          <a:p>
+            <a:pPr marL="0" marR="0" lvl="0" indent="0" algn="l" defTabSz="914400" rtl="0" eaLnBrk="0" fontAlgn="base" latinLnBrk="0" hangingPunct="0">
+              <a:lnSpc>
+                <a:spcPct val="100000"/>
+              </a:lnSpc>
+              <a:spcBef>
+                <a:spcPct val="0"/>
+              </a:spcBef>
+              <a:spcAft>
+                <a:spcPct val="0"/>
+              </a:spcAft>
+              <a:buClrTx/>
+              <a:buSzTx/>
+              <a:buFontTx/>
+              <a:buNone/>
+              <a:tabLst/>
+            </a:pPr>
+            <a:r>
+              <a:rPr kumimoji="0" lang="de-DE" altLang="ko-KR" sz="1600" b="0" i="0" u="none" strike="noStrike" cap="none" normalizeH="0" baseline="0" dirty="0" err="1">
+                <a:ln>
+                  <a:noFill/>
+                </a:ln>
+                <a:solidFill>
+                  <a:schemeClr val="tx1"/>
+                </a:solidFill>
+                <a:effectLst/>
+                <a:latin typeface="Calibri" panose="020F0502020204030204" pitchFamily="34" charset="0"/>
+                <a:ea typeface="Malgun Gothic" panose="020B0503020000020004" pitchFamily="34" charset="-127"/>
+                <a:cs typeface="Times New Roman" panose="02020603050405020304" pitchFamily="18" charset="0"/>
+              </a:rPr>
+              <a:t>Keyframe</a:t>
+            </a:r>
+            <a:r>
+              <a:rPr kumimoji="0" lang="de-DE" altLang="ko-KR" sz="1600" b="0" i="0" u="none" strike="noStrike" cap="none" normalizeH="0" baseline="0" dirty="0">
+                <a:ln>
+                  <a:noFill/>
+                </a:ln>
+                <a:solidFill>
+                  <a:schemeClr val="tx1"/>
+                </a:solidFill>
+                <a:effectLst/>
+                <a:latin typeface="Calibri" panose="020F0502020204030204" pitchFamily="34" charset="0"/>
+                <a:ea typeface="Malgun Gothic" panose="020B0503020000020004" pitchFamily="34" charset="-127"/>
+                <a:cs typeface="Times New Roman" panose="02020603050405020304" pitchFamily="18" charset="0"/>
+              </a:rPr>
+              <a:t> B</a:t>
+            </a:r>
+            <a:endParaRPr kumimoji="0" lang="de-DE" altLang="ko-KR" sz="1800" b="0" i="0" u="none" strike="noStrike" cap="none" normalizeH="0" baseline="0" dirty="0">
+              <a:ln>
+                <a:noFill/>
+              </a:ln>
+              <a:solidFill>
+                <a:schemeClr val="tx1"/>
+              </a:solidFill>
+              <a:effectLst/>
+              <a:latin typeface="Arial" panose="020B0604020202020204" pitchFamily="34" charset="0"/>
+            </a:endParaRPr>
+          </a:p>
+        </p:txBody>
+      </p:sp>
+      <p:sp>
+        <p:nvSpPr>
+          <p:cNvPr id="9" name="Ellipse 8">
+            <a:extLst>
+              <a:ext uri="{FF2B5EF4-FFF2-40B4-BE49-F238E27FC236}">
+                <a16:creationId xmlns:a16="http://schemas.microsoft.com/office/drawing/2014/main" id="{A8947458-4F0A-6B40-BF9C-2F106000ED4D}"/>
+              </a:ext>
+            </a:extLst>
+          </p:cNvPr>
+          <p:cNvSpPr/>
+          <p:nvPr/>
+        </p:nvSpPr>
+        <p:spPr>
+          <a:xfrm>
+            <a:off x="4345973" y="1957998"/>
+            <a:ext cx="482600" cy="482600"/>
+          </a:xfrm>
+          <a:prstGeom prst="ellipse">
+            <a:avLst/>
+          </a:prstGeom>
+          <a:solidFill>
+            <a:srgbClr val="4472C4">
+              <a:alpha val="30196"/>
+            </a:srgbClr>
+          </a:solidFill>
+        </p:spPr>
+        <p:style>
+          <a:lnRef idx="2">
+            <a:schemeClr val="accent1">
+              <a:shade val="50000"/>
+            </a:schemeClr>
+          </a:lnRef>
+          <a:fillRef idx="1">
+            <a:schemeClr val="accent1"/>
+          </a:fillRef>
+          <a:effectRef idx="0">
+            <a:schemeClr val="accent1"/>
+          </a:effectRef>
+          <a:fontRef idx="minor">
+            <a:schemeClr val="lt1"/>
+          </a:fontRef>
+        </p:style>
+        <p:txBody>
+          <a:bodyPr rot="0" spcFirstLastPara="0" vert="horz" wrap="square" lIns="91440" tIns="45720" rIns="91440" bIns="45720" numCol="1" spcCol="0" rtlCol="0" fromWordArt="0" anchor="ctr" anchorCtr="0" forceAA="0" compatLnSpc="1">
+            <a:prstTxWarp prst="textNoShape">
+              <a:avLst/>
+            </a:prstTxWarp>
+            <a:noAutofit/>
+          </a:bodyPr>
+          <a:lstStyle/>
+          <a:p>
+            <a:endParaRPr lang="en-US"/>
+          </a:p>
+        </p:txBody>
+      </p:sp>
+      <p:sp>
+        <p:nvSpPr>
+          <p:cNvPr id="10" name="Ellipse 9">
+            <a:extLst>
+              <a:ext uri="{FF2B5EF4-FFF2-40B4-BE49-F238E27FC236}">
+                <a16:creationId xmlns:a16="http://schemas.microsoft.com/office/drawing/2014/main" id="{237E99F1-C1EE-6410-7A14-78FEC5318FEB}"/>
+              </a:ext>
+            </a:extLst>
+          </p:cNvPr>
+          <p:cNvSpPr/>
+          <p:nvPr/>
+        </p:nvSpPr>
+        <p:spPr>
+          <a:xfrm>
+            <a:off x="5596923" y="1945298"/>
+            <a:ext cx="482600" cy="482600"/>
+          </a:xfrm>
+          <a:prstGeom prst="ellipse">
+            <a:avLst/>
+          </a:prstGeom>
+          <a:solidFill>
+            <a:srgbClr val="4472C4">
+              <a:alpha val="30196"/>
+            </a:srgbClr>
+          </a:solidFill>
+        </p:spPr>
+        <p:style>
+          <a:lnRef idx="2">
+            <a:schemeClr val="accent1">
+              <a:shade val="50000"/>
+            </a:schemeClr>
+          </a:lnRef>
+          <a:fillRef idx="1">
+            <a:schemeClr val="accent1"/>
+          </a:fillRef>
+          <a:effectRef idx="0">
+            <a:schemeClr val="accent1"/>
+          </a:effectRef>
+          <a:fontRef idx="minor">
+            <a:schemeClr val="lt1"/>
+          </a:fontRef>
+        </p:style>
+        <p:txBody>
+          <a:bodyPr rot="0" spcFirstLastPara="0" vert="horz" wrap="square" lIns="91440" tIns="45720" rIns="91440" bIns="45720" numCol="1" spcCol="0" rtlCol="0" fromWordArt="0" anchor="ctr" anchorCtr="0" forceAA="0" compatLnSpc="1">
+            <a:prstTxWarp prst="textNoShape">
+              <a:avLst/>
+            </a:prstTxWarp>
+            <a:noAutofit/>
+          </a:bodyPr>
+          <a:lstStyle/>
+          <a:p>
+            <a:endParaRPr lang="en-US"/>
+          </a:p>
+        </p:txBody>
+      </p:sp>
+      <p:sp>
+        <p:nvSpPr>
+          <p:cNvPr id="11" name="Ellipse 10">
+            <a:extLst>
+              <a:ext uri="{FF2B5EF4-FFF2-40B4-BE49-F238E27FC236}">
+                <a16:creationId xmlns:a16="http://schemas.microsoft.com/office/drawing/2014/main" id="{DBA2793C-81BC-0E19-C480-38C759E77C01}"/>
+              </a:ext>
+            </a:extLst>
+          </p:cNvPr>
+          <p:cNvSpPr/>
+          <p:nvPr/>
+        </p:nvSpPr>
+        <p:spPr>
+          <a:xfrm>
+            <a:off x="6746273" y="1951648"/>
+            <a:ext cx="482600" cy="482600"/>
+          </a:xfrm>
+          <a:prstGeom prst="ellipse">
+            <a:avLst/>
+          </a:prstGeom>
+          <a:solidFill>
+            <a:srgbClr val="4472C4">
+              <a:alpha val="30196"/>
+            </a:srgbClr>
+          </a:solidFill>
+        </p:spPr>
+        <p:style>
+          <a:lnRef idx="2">
+            <a:schemeClr val="accent1">
+              <a:shade val="50000"/>
+            </a:schemeClr>
+          </a:lnRef>
+          <a:fillRef idx="1">
+            <a:schemeClr val="accent1"/>
+          </a:fillRef>
+          <a:effectRef idx="0">
+            <a:schemeClr val="accent1"/>
+          </a:effectRef>
+          <a:fontRef idx="minor">
+            <a:schemeClr val="lt1"/>
+          </a:fontRef>
+        </p:style>
+        <p:txBody>
+          <a:bodyPr rot="0" spcFirstLastPara="0" vert="horz" wrap="square" lIns="91440" tIns="45720" rIns="91440" bIns="45720" numCol="1" spcCol="0" rtlCol="0" fromWordArt="0" anchor="ctr" anchorCtr="0" forceAA="0" compatLnSpc="1">
+            <a:prstTxWarp prst="textNoShape">
+              <a:avLst/>
+            </a:prstTxWarp>
+            <a:noAutofit/>
+          </a:bodyPr>
+          <a:lstStyle/>
+          <a:p>
+            <a:endParaRPr lang="en-US"/>
+          </a:p>
+        </p:txBody>
+      </p:sp>
+      <p:sp>
+        <p:nvSpPr>
+          <p:cNvPr id="12" name="Textfeld 11">
+            <a:extLst>
+              <a:ext uri="{FF2B5EF4-FFF2-40B4-BE49-F238E27FC236}">
+                <a16:creationId xmlns:a16="http://schemas.microsoft.com/office/drawing/2014/main" id="{F5315706-CE52-2C54-0CDE-24E301F0493E}"/>
+              </a:ext>
+            </a:extLst>
+          </p:cNvPr>
+          <p:cNvSpPr txBox="1">
+            <a:spLocks noChangeArrowheads="1"/>
+          </p:cNvSpPr>
+          <p:nvPr/>
+        </p:nvSpPr>
+        <p:spPr bwMode="auto">
+          <a:xfrm>
+            <a:off x="5114023" y="1044835"/>
+            <a:ext cx="1441450" cy="412750"/>
+          </a:xfrm>
+          <a:prstGeom prst="rect">
+            <a:avLst/>
+          </a:prstGeom>
+          <a:noFill/>
+          <a:ln>
+            <a:noFill/>
+          </a:ln>
+          <a:extLst>
+            <a:ext uri="{909E8E84-426E-40DD-AFC4-6F175D3DCCD1}">
+              <a14:hiddenFill xmlns:a14="http://schemas.microsoft.com/office/drawing/2010/main">
+                <a:solidFill>
+                  <a:srgbClr val="FFFFFF"/>
+                </a:solidFill>
+              </a14:hiddenFill>
+            </a:ext>
+            <a:ext uri="{91240B29-F687-4F45-9708-019B960494DF}">
+              <a14:hiddenLine xmlns:a14="http://schemas.microsoft.com/office/drawing/2010/main" w="6350">
+                <a:solidFill>
+                  <a:srgbClr val="000000"/>
+                </a:solidFill>
+                <a:miter lim="800000"/>
+                <a:headEnd/>
+                <a:tailEnd/>
+              </a14:hiddenLine>
+            </a:ext>
+          </a:extLst>
+        </p:spPr>
+        <p:txBody>
+          <a:bodyPr vert="horz" wrap="square" lIns="91440" tIns="45720" rIns="91440" bIns="45720" numCol="1" anchor="t" anchorCtr="0" compatLnSpc="1">
+            <a:prstTxWarp prst="textNoShape">
+              <a:avLst/>
+            </a:prstTxWarp>
+          </a:bodyPr>
+          <a:lstStyle/>
+          <a:p>
+            <a:pPr marL="0" marR="0" lvl="0" indent="0" algn="l" defTabSz="914400" rtl="0" eaLnBrk="0" fontAlgn="base" latinLnBrk="0" hangingPunct="0">
+              <a:lnSpc>
+                <a:spcPct val="100000"/>
+              </a:lnSpc>
+              <a:spcBef>
+                <a:spcPct val="0"/>
+              </a:spcBef>
+              <a:spcAft>
+                <a:spcPct val="0"/>
+              </a:spcAft>
+              <a:buClrTx/>
+              <a:buSzTx/>
+              <a:buFontTx/>
+              <a:buNone/>
+              <a:tabLst/>
+            </a:pPr>
+            <a:r>
+              <a:rPr kumimoji="0" lang="de-DE" altLang="ko-KR" sz="1600" b="0" i="0" u="none" strike="noStrike" cap="none" normalizeH="0" baseline="0" dirty="0">
+                <a:ln>
+                  <a:noFill/>
+                </a:ln>
+                <a:solidFill>
+                  <a:schemeClr val="tx1"/>
+                </a:solidFill>
+                <a:effectLst/>
+                <a:latin typeface="Calibri" panose="020F0502020204030204" pitchFamily="34" charset="0"/>
+                <a:ea typeface="Malgun Gothic" panose="020B0503020000020004" pitchFamily="34" charset="-127"/>
+                <a:cs typeface="Times New Roman" panose="02020603050405020304" pitchFamily="18" charset="0"/>
+              </a:rPr>
+              <a:t>Interpolierung</a:t>
+            </a:r>
+            <a:endParaRPr kumimoji="0" lang="de-DE" altLang="ko-KR" sz="1800" b="0" i="0" u="none" strike="noStrike" cap="none" normalizeH="0" baseline="0" dirty="0">
+              <a:ln>
+                <a:noFill/>
+              </a:ln>
+              <a:solidFill>
+                <a:schemeClr val="tx1"/>
+              </a:solidFill>
+              <a:effectLst/>
+              <a:latin typeface="Arial" panose="020B0604020202020204" pitchFamily="34" charset="0"/>
+            </a:endParaRPr>
+          </a:p>
+        </p:txBody>
+      </p:sp>
+      <p:cxnSp>
+        <p:nvCxnSpPr>
+          <p:cNvPr id="13" name="Gerade Verbindung mit Pfeil 12">
+            <a:extLst>
+              <a:ext uri="{FF2B5EF4-FFF2-40B4-BE49-F238E27FC236}">
+                <a16:creationId xmlns:a16="http://schemas.microsoft.com/office/drawing/2014/main" id="{22973B7C-6C10-8A33-98BD-20FF7EAA9644}"/>
+              </a:ext>
+            </a:extLst>
+          </p:cNvPr>
+          <p:cNvCxnSpPr>
+            <a:cxnSpLocks/>
+          </p:cNvCxnSpPr>
+          <p:nvPr/>
+        </p:nvCxnSpPr>
+        <p:spPr>
+          <a:xfrm flipH="1">
+            <a:off x="4783823" y="1457585"/>
+            <a:ext cx="578150" cy="454876"/>
+          </a:xfrm>
+          <a:prstGeom prst="straightConnector1">
+            <a:avLst/>
+          </a:prstGeom>
+          <a:ln w="38100">
+            <a:solidFill>
+              <a:schemeClr val="tx1"/>
+            </a:solidFill>
+            <a:tailEnd type="triangle"/>
+          </a:ln>
+        </p:spPr>
+        <p:style>
+          <a:lnRef idx="1">
+            <a:schemeClr val="accent1"/>
+          </a:lnRef>
+          <a:fillRef idx="0">
+            <a:schemeClr val="accent1"/>
+          </a:fillRef>
+          <a:effectRef idx="0">
+            <a:schemeClr val="accent1"/>
+          </a:effectRef>
+          <a:fontRef idx="minor">
+            <a:schemeClr val="tx1"/>
+          </a:fontRef>
+        </p:style>
+      </p:cxnSp>
+      <p:cxnSp>
+        <p:nvCxnSpPr>
+          <p:cNvPr id="14" name="Gerade Verbindung mit Pfeil 13">
+            <a:extLst>
+              <a:ext uri="{FF2B5EF4-FFF2-40B4-BE49-F238E27FC236}">
+                <a16:creationId xmlns:a16="http://schemas.microsoft.com/office/drawing/2014/main" id="{E3D622CD-EB55-31C7-4587-3551D2F18AEA}"/>
+              </a:ext>
+            </a:extLst>
+          </p:cNvPr>
+          <p:cNvCxnSpPr>
+            <a:cxnSpLocks/>
+            <a:stCxn id="12" idx="2"/>
+          </p:cNvCxnSpPr>
+          <p:nvPr/>
+        </p:nvCxnSpPr>
+        <p:spPr>
+          <a:xfrm>
+            <a:off x="5834748" y="1457585"/>
+            <a:ext cx="3475" cy="421038"/>
+          </a:xfrm>
+          <a:prstGeom prst="straightConnector1">
+            <a:avLst/>
+          </a:prstGeom>
+          <a:ln w="38100">
+            <a:solidFill>
+              <a:schemeClr val="tx1"/>
+            </a:solidFill>
+            <a:tailEnd type="triangle"/>
+          </a:ln>
+        </p:spPr>
+        <p:style>
+          <a:lnRef idx="1">
+            <a:schemeClr val="accent1"/>
+          </a:lnRef>
+          <a:fillRef idx="0">
+            <a:schemeClr val="accent1"/>
+          </a:fillRef>
+          <a:effectRef idx="0">
+            <a:schemeClr val="accent1"/>
+          </a:effectRef>
+          <a:fontRef idx="minor">
+            <a:schemeClr val="tx1"/>
+          </a:fontRef>
+        </p:style>
+      </p:cxnSp>
+      <p:cxnSp>
+        <p:nvCxnSpPr>
+          <p:cNvPr id="15" name="Gerade Verbindung mit Pfeil 14">
+            <a:extLst>
+              <a:ext uri="{FF2B5EF4-FFF2-40B4-BE49-F238E27FC236}">
+                <a16:creationId xmlns:a16="http://schemas.microsoft.com/office/drawing/2014/main" id="{19AB9E1D-84EF-49C1-12FB-DB3B5FBBAA10}"/>
+              </a:ext>
+            </a:extLst>
+          </p:cNvPr>
+          <p:cNvCxnSpPr/>
+          <p:nvPr/>
+        </p:nvCxnSpPr>
+        <p:spPr>
+          <a:xfrm>
+            <a:off x="6273198" y="1437298"/>
+            <a:ext cx="546100" cy="501650"/>
+          </a:xfrm>
+          <a:prstGeom prst="straightConnector1">
+            <a:avLst/>
+          </a:prstGeom>
+          <a:ln w="38100">
+            <a:solidFill>
+              <a:schemeClr val="tx1"/>
+            </a:solidFill>
+            <a:tailEnd type="triangle"/>
+          </a:ln>
+        </p:spPr>
+        <p:style>
+          <a:lnRef idx="1">
+            <a:schemeClr val="accent1"/>
+          </a:lnRef>
+          <a:fillRef idx="0">
+            <a:schemeClr val="accent1"/>
+          </a:fillRef>
+          <a:effectRef idx="0">
+            <a:schemeClr val="accent1"/>
+          </a:effectRef>
+          <a:fontRef idx="minor">
+            <a:schemeClr val="tx1"/>
+          </a:fontRef>
+        </p:style>
+      </p:cxnSp>
+      <p:sp>
+        <p:nvSpPr>
+          <p:cNvPr id="16" name="Rectangle 13">
+            <a:extLst>
+              <a:ext uri="{FF2B5EF4-FFF2-40B4-BE49-F238E27FC236}">
+                <a16:creationId xmlns:a16="http://schemas.microsoft.com/office/drawing/2014/main" id="{58FA68CA-C398-02DF-2304-0E155A9ED56E}"/>
+              </a:ext>
+            </a:extLst>
+          </p:cNvPr>
+          <p:cNvSpPr>
+            <a:spLocks noChangeArrowheads="1"/>
+          </p:cNvSpPr>
+          <p:nvPr/>
+        </p:nvSpPr>
+        <p:spPr bwMode="auto">
+          <a:xfrm>
+            <a:off x="2692400" y="2021305"/>
+            <a:ext cx="12192000" cy="457200"/>
+          </a:xfrm>
+          <a:prstGeom prst="rect">
+            <a:avLst/>
+          </a:prstGeom>
+          <a:noFill/>
+          <a:ln>
+            <a:noFill/>
+          </a:ln>
+          <a:effectLst/>
+          <a:extLst>
+            <a:ext uri="{909E8E84-426E-40DD-AFC4-6F175D3DCCD1}">
+              <a14:hiddenFill xmlns:a14="http://schemas.microsoft.com/office/drawing/2010/main">
+                <a:solidFill>
+                  <a:schemeClr val="accent1"/>
+                </a:solidFill>
+              </a14:hiddenFill>
+            </a:ext>
+            <a:ext uri="{91240B29-F687-4F45-9708-019B960494DF}">
+              <a14:hiddenLine xmlns:a14="http://schemas.microsoft.com/office/drawing/2010/main" w="9525">
+                <a:solidFill>
+                  <a:schemeClr val="tx1"/>
+                </a:solidFill>
+                <a:miter lim="800000"/>
+                <a:headEnd/>
+                <a:tailEnd/>
+              </a14:hiddenLine>
+            </a:ext>
+            <a:ext uri="{AF507438-7753-43E0-B8FC-AC1667EBCBE1}">
+              <a14:hiddenEffects xmlns:a14="http://schemas.microsoft.com/office/drawing/2010/main">
+                <a:effectLst>
+                  <a:outerShdw dist="35921" dir="2700000" algn="ctr" rotWithShape="0">
+                    <a:schemeClr val="bg2"/>
+                  </a:outerShdw>
+                </a:effectLst>
+              </a14:hiddenEffects>
+            </a:ext>
+          </a:extLst>
+        </p:spPr>
+        <p:txBody>
+          <a:bodyPr vert="horz" wrap="none" lIns="91440" tIns="45720" rIns="91440" bIns="45720" numCol="1" anchor="ctr" anchorCtr="0" compatLnSpc="1">
+            <a:prstTxWarp prst="textNoShape">
+              <a:avLst/>
+            </a:prstTxWarp>
+            <a:spAutoFit/>
+          </a:bodyPr>
+          <a:lstStyle/>
+          <a:p>
+            <a:endParaRPr lang="en-US"/>
+          </a:p>
+        </p:txBody>
+      </p:sp>
+      <p:sp>
+        <p:nvSpPr>
+          <p:cNvPr id="26" name="Freihandform: Form 25">
+            <a:extLst>
+              <a:ext uri="{FF2B5EF4-FFF2-40B4-BE49-F238E27FC236}">
+                <a16:creationId xmlns:a16="http://schemas.microsoft.com/office/drawing/2014/main" id="{6AE91E54-60C2-F868-4EAE-8999A5434A2A}"/>
+              </a:ext>
+            </a:extLst>
+          </p:cNvPr>
+          <p:cNvSpPr/>
+          <p:nvPr/>
+        </p:nvSpPr>
+        <p:spPr>
+          <a:xfrm>
+            <a:off x="3588352" y="3245618"/>
+            <a:ext cx="4668253" cy="1682495"/>
+          </a:xfrm>
+          <a:custGeom>
+            <a:avLst/>
+            <a:gdLst>
+              <a:gd name="connsiteX0" fmla="*/ 0 w 4668253"/>
+              <a:gd name="connsiteY0" fmla="*/ 914291 h 1682495"/>
+              <a:gd name="connsiteX1" fmla="*/ 1328286 w 4668253"/>
+              <a:gd name="connsiteY1" fmla="*/ 19141 h 1682495"/>
+              <a:gd name="connsiteX2" fmla="*/ 3080084 w 4668253"/>
+              <a:gd name="connsiteY2" fmla="*/ 1665061 h 1682495"/>
+              <a:gd name="connsiteX3" fmla="*/ 4668253 w 4668253"/>
+              <a:gd name="connsiteY3" fmla="*/ 875790 h 1682495"/>
+            </a:gdLst>
+            <a:ahLst/>
+            <a:cxnLst>
+              <a:cxn ang="0">
+                <a:pos x="connsiteX0" y="connsiteY0"/>
+              </a:cxn>
+              <a:cxn ang="0">
+                <a:pos x="connsiteX1" y="connsiteY1"/>
+              </a:cxn>
+              <a:cxn ang="0">
+                <a:pos x="connsiteX2" y="connsiteY2"/>
+              </a:cxn>
+              <a:cxn ang="0">
+                <a:pos x="connsiteX3" y="connsiteY3"/>
+              </a:cxn>
+            </a:cxnLst>
+            <a:rect l="l" t="t" r="r" b="b"/>
+            <a:pathLst>
+              <a:path w="4668253" h="1682495">
+                <a:moveTo>
+                  <a:pt x="0" y="914291"/>
+                </a:moveTo>
+                <a:cubicBezTo>
+                  <a:pt x="407469" y="404152"/>
+                  <a:pt x="814939" y="-105987"/>
+                  <a:pt x="1328286" y="19141"/>
+                </a:cubicBezTo>
+                <a:cubicBezTo>
+                  <a:pt x="1841633" y="144269"/>
+                  <a:pt x="2523423" y="1522286"/>
+                  <a:pt x="3080084" y="1665061"/>
+                </a:cubicBezTo>
+                <a:cubicBezTo>
+                  <a:pt x="3636745" y="1807836"/>
+                  <a:pt x="4401954" y="1031398"/>
+                  <a:pt x="4668253" y="875790"/>
+                </a:cubicBezTo>
+              </a:path>
+            </a:pathLst>
+          </a:custGeom>
+          <a:noFill/>
+          <a:ln w="76200">
+            <a:solidFill>
+              <a:schemeClr val="tx1"/>
+            </a:solidFill>
+          </a:ln>
+        </p:spPr>
+        <p:style>
+          <a:lnRef idx="2">
+            <a:schemeClr val="accent1">
+              <a:shade val="50000"/>
+            </a:schemeClr>
+          </a:lnRef>
+          <a:fillRef idx="1">
+            <a:schemeClr val="accent1"/>
+          </a:fillRef>
+          <a:effectRef idx="0">
+            <a:schemeClr val="accent1"/>
+          </a:effectRef>
+          <a:fontRef idx="minor">
+            <a:schemeClr val="lt1"/>
+          </a:fontRef>
+        </p:style>
+        <p:txBody>
+          <a:bodyPr rtlCol="0" anchor="ctr"/>
+          <a:lstStyle/>
+          <a:p>
+            <a:pPr algn="ctr"/>
+            <a:endParaRPr lang="en-US"/>
+          </a:p>
+        </p:txBody>
+      </p:sp>
+      <p:sp>
+        <p:nvSpPr>
+          <p:cNvPr id="27" name="Ellipse 26">
+            <a:extLst>
+              <a:ext uri="{FF2B5EF4-FFF2-40B4-BE49-F238E27FC236}">
+                <a16:creationId xmlns:a16="http://schemas.microsoft.com/office/drawing/2014/main" id="{5C5D5358-61FF-3F5F-F385-E8EE2A700952}"/>
+              </a:ext>
+            </a:extLst>
+          </p:cNvPr>
+          <p:cNvSpPr/>
+          <p:nvPr/>
+        </p:nvSpPr>
+        <p:spPr>
+          <a:xfrm>
+            <a:off x="3359284" y="3878637"/>
+            <a:ext cx="482600" cy="482600"/>
+          </a:xfrm>
+          <a:prstGeom prst="ellipse">
+            <a:avLst/>
+          </a:prstGeom>
+        </p:spPr>
+        <p:style>
+          <a:lnRef idx="2">
+            <a:schemeClr val="accent1">
+              <a:shade val="50000"/>
+            </a:schemeClr>
+          </a:lnRef>
+          <a:fillRef idx="1">
+            <a:schemeClr val="accent1"/>
+          </a:fillRef>
+          <a:effectRef idx="0">
+            <a:schemeClr val="accent1"/>
+          </a:effectRef>
+          <a:fontRef idx="minor">
+            <a:schemeClr val="lt1"/>
+          </a:fontRef>
+        </p:style>
+        <p:txBody>
+          <a:bodyPr rot="0" spcFirstLastPara="0" vert="horz" wrap="square" lIns="91440" tIns="45720" rIns="91440" bIns="45720" numCol="1" spcCol="0" rtlCol="0" fromWordArt="0" anchor="ctr" anchorCtr="0" forceAA="0" compatLnSpc="1">
+            <a:prstTxWarp prst="textNoShape">
+              <a:avLst/>
+            </a:prstTxWarp>
+            <a:noAutofit/>
+          </a:bodyPr>
+          <a:lstStyle/>
+          <a:p>
+            <a:endParaRPr lang="en-US"/>
+          </a:p>
+        </p:txBody>
+      </p:sp>
+      <p:sp>
+        <p:nvSpPr>
+          <p:cNvPr id="28" name="Ellipse 27">
+            <a:extLst>
+              <a:ext uri="{FF2B5EF4-FFF2-40B4-BE49-F238E27FC236}">
+                <a16:creationId xmlns:a16="http://schemas.microsoft.com/office/drawing/2014/main" id="{A00B9B09-67EB-B13C-4F56-31243596E671}"/>
+              </a:ext>
+            </a:extLst>
+          </p:cNvPr>
+          <p:cNvSpPr/>
+          <p:nvPr/>
+        </p:nvSpPr>
+        <p:spPr>
+          <a:xfrm>
+            <a:off x="8020184" y="3878637"/>
+            <a:ext cx="482600" cy="482600"/>
+          </a:xfrm>
+          <a:prstGeom prst="ellipse">
+            <a:avLst/>
+          </a:prstGeom>
+        </p:spPr>
+        <p:style>
+          <a:lnRef idx="2">
+            <a:schemeClr val="accent1">
+              <a:shade val="50000"/>
+            </a:schemeClr>
+          </a:lnRef>
+          <a:fillRef idx="1">
+            <a:schemeClr val="accent1"/>
+          </a:fillRef>
+          <a:effectRef idx="0">
+            <a:schemeClr val="accent1"/>
+          </a:effectRef>
+          <a:fontRef idx="minor">
+            <a:schemeClr val="lt1"/>
+          </a:fontRef>
+        </p:style>
+        <p:txBody>
+          <a:bodyPr rot="0" spcFirstLastPara="0" vert="horz" wrap="square" lIns="91440" tIns="45720" rIns="91440" bIns="45720" numCol="1" spcCol="0" rtlCol="0" fromWordArt="0" anchor="ctr" anchorCtr="0" forceAA="0" compatLnSpc="1">
+            <a:prstTxWarp prst="textNoShape">
+              <a:avLst/>
+            </a:prstTxWarp>
+            <a:noAutofit/>
+          </a:bodyPr>
+          <a:lstStyle/>
+          <a:p>
+            <a:endParaRPr lang="en-US"/>
+          </a:p>
+        </p:txBody>
+      </p:sp>
+      <p:sp>
+        <p:nvSpPr>
+          <p:cNvPr id="29" name="Textfeld 5">
+            <a:extLst>
+              <a:ext uri="{FF2B5EF4-FFF2-40B4-BE49-F238E27FC236}">
+                <a16:creationId xmlns:a16="http://schemas.microsoft.com/office/drawing/2014/main" id="{30DC1318-49C5-5EBC-1D5F-FAB1BE56ECF1}"/>
+              </a:ext>
+            </a:extLst>
+          </p:cNvPr>
+          <p:cNvSpPr txBox="1">
+            <a:spLocks noChangeArrowheads="1"/>
+          </p:cNvSpPr>
+          <p:nvPr/>
+        </p:nvSpPr>
+        <p:spPr bwMode="auto">
+          <a:xfrm>
+            <a:off x="3018822" y="4420465"/>
+            <a:ext cx="1295401" cy="412750"/>
+          </a:xfrm>
+          <a:prstGeom prst="rect">
+            <a:avLst/>
+          </a:prstGeom>
+          <a:noFill/>
+          <a:ln>
+            <a:noFill/>
+          </a:ln>
+          <a:extLst>
+            <a:ext uri="{909E8E84-426E-40DD-AFC4-6F175D3DCCD1}">
+              <a14:hiddenFill xmlns:a14="http://schemas.microsoft.com/office/drawing/2010/main">
+                <a:solidFill>
+                  <a:srgbClr val="FFFFFF"/>
+                </a:solidFill>
+              </a14:hiddenFill>
+            </a:ext>
+            <a:ext uri="{91240B29-F687-4F45-9708-019B960494DF}">
+              <a14:hiddenLine xmlns:a14="http://schemas.microsoft.com/office/drawing/2010/main" w="6350">
+                <a:solidFill>
+                  <a:srgbClr val="000000"/>
+                </a:solidFill>
+                <a:miter lim="800000"/>
+                <a:headEnd/>
+                <a:tailEnd/>
+              </a14:hiddenLine>
+            </a:ext>
+          </a:extLst>
+        </p:spPr>
+        <p:txBody>
+          <a:bodyPr vert="horz" wrap="square" lIns="91440" tIns="45720" rIns="91440" bIns="45720" numCol="1" anchor="t" anchorCtr="0" compatLnSpc="1">
+            <a:prstTxWarp prst="textNoShape">
+              <a:avLst/>
+            </a:prstTxWarp>
+          </a:bodyPr>
+          <a:lstStyle/>
+          <a:p>
+            <a:pPr marL="0" marR="0" lvl="0" indent="0" algn="l" defTabSz="914400" rtl="0" eaLnBrk="0" fontAlgn="base" latinLnBrk="0" hangingPunct="0">
+              <a:lnSpc>
+                <a:spcPct val="100000"/>
+              </a:lnSpc>
+              <a:spcBef>
+                <a:spcPct val="0"/>
+              </a:spcBef>
+              <a:spcAft>
+                <a:spcPct val="0"/>
+              </a:spcAft>
+              <a:buClrTx/>
+              <a:buSzTx/>
+              <a:buFontTx/>
+              <a:buNone/>
+              <a:tabLst/>
+            </a:pPr>
+            <a:r>
+              <a:rPr kumimoji="0" lang="de-DE" altLang="ko-KR" sz="1600" b="0" i="0" u="none" strike="noStrike" cap="none" normalizeH="0" baseline="0" dirty="0" err="1">
+                <a:ln>
+                  <a:noFill/>
+                </a:ln>
+                <a:solidFill>
+                  <a:schemeClr val="tx1"/>
+                </a:solidFill>
+                <a:effectLst/>
+                <a:latin typeface="Calibri" panose="020F0502020204030204" pitchFamily="34" charset="0"/>
+                <a:ea typeface="Malgun Gothic" panose="020B0503020000020004" pitchFamily="34" charset="-127"/>
+                <a:cs typeface="Times New Roman" panose="02020603050405020304" pitchFamily="18" charset="0"/>
+              </a:rPr>
+              <a:t>Keyframe</a:t>
+            </a:r>
+            <a:r>
+              <a:rPr kumimoji="0" lang="de-DE" altLang="ko-KR" sz="1600" b="0" i="0" u="none" strike="noStrike" cap="none" normalizeH="0" baseline="0" dirty="0">
+                <a:ln>
+                  <a:noFill/>
+                </a:ln>
+                <a:solidFill>
+                  <a:schemeClr val="tx1"/>
+                </a:solidFill>
+                <a:effectLst/>
+                <a:latin typeface="Calibri" panose="020F0502020204030204" pitchFamily="34" charset="0"/>
+                <a:ea typeface="Malgun Gothic" panose="020B0503020000020004" pitchFamily="34" charset="-127"/>
+                <a:cs typeface="Times New Roman" panose="02020603050405020304" pitchFamily="18" charset="0"/>
+              </a:rPr>
+              <a:t> A</a:t>
+            </a:r>
+            <a:endParaRPr kumimoji="0" lang="de-DE" altLang="ko-KR" sz="1800" b="0" i="0" u="none" strike="noStrike" cap="none" normalizeH="0" baseline="0" dirty="0">
+              <a:ln>
+                <a:noFill/>
+              </a:ln>
+              <a:solidFill>
+                <a:schemeClr val="tx1"/>
+              </a:solidFill>
+              <a:effectLst/>
+              <a:latin typeface="Arial" panose="020B0604020202020204" pitchFamily="34" charset="0"/>
+            </a:endParaRPr>
+          </a:p>
+        </p:txBody>
+      </p:sp>
+      <p:sp>
+        <p:nvSpPr>
+          <p:cNvPr id="30" name="Textfeld 6">
+            <a:extLst>
+              <a:ext uri="{FF2B5EF4-FFF2-40B4-BE49-F238E27FC236}">
+                <a16:creationId xmlns:a16="http://schemas.microsoft.com/office/drawing/2014/main" id="{AE8219B3-7CA6-C59A-6DB0-09E64C27FEE8}"/>
+              </a:ext>
+            </a:extLst>
+          </p:cNvPr>
+          <p:cNvSpPr txBox="1">
+            <a:spLocks noChangeArrowheads="1"/>
+          </p:cNvSpPr>
+          <p:nvPr/>
+        </p:nvSpPr>
+        <p:spPr bwMode="auto">
+          <a:xfrm>
+            <a:off x="7675580" y="3472237"/>
+            <a:ext cx="1162050" cy="412750"/>
+          </a:xfrm>
+          <a:prstGeom prst="rect">
+            <a:avLst/>
+          </a:prstGeom>
+          <a:noFill/>
+          <a:ln>
+            <a:noFill/>
+          </a:ln>
+          <a:extLst>
+            <a:ext uri="{909E8E84-426E-40DD-AFC4-6F175D3DCCD1}">
+              <a14:hiddenFill xmlns:a14="http://schemas.microsoft.com/office/drawing/2010/main">
+                <a:solidFill>
+                  <a:srgbClr val="FFFFFF"/>
+                </a:solidFill>
+              </a14:hiddenFill>
+            </a:ext>
+            <a:ext uri="{91240B29-F687-4F45-9708-019B960494DF}">
+              <a14:hiddenLine xmlns:a14="http://schemas.microsoft.com/office/drawing/2010/main" w="6350">
+                <a:solidFill>
+                  <a:srgbClr val="000000"/>
+                </a:solidFill>
+                <a:miter lim="800000"/>
+                <a:headEnd/>
+                <a:tailEnd/>
+              </a14:hiddenLine>
+            </a:ext>
+          </a:extLst>
+        </p:spPr>
+        <p:txBody>
+          <a:bodyPr vert="horz" wrap="square" lIns="91440" tIns="45720" rIns="91440" bIns="45720" numCol="1" anchor="t" anchorCtr="0" compatLnSpc="1">
+            <a:prstTxWarp prst="textNoShape">
+              <a:avLst/>
+            </a:prstTxWarp>
+          </a:bodyPr>
+          <a:lstStyle/>
+          <a:p>
+            <a:pPr marL="0" marR="0" lvl="0" indent="0" algn="l" defTabSz="914400" rtl="0" eaLnBrk="0" fontAlgn="base" latinLnBrk="0" hangingPunct="0">
+              <a:lnSpc>
+                <a:spcPct val="100000"/>
+              </a:lnSpc>
+              <a:spcBef>
+                <a:spcPct val="0"/>
+              </a:spcBef>
+              <a:spcAft>
+                <a:spcPct val="0"/>
+              </a:spcAft>
+              <a:buClrTx/>
+              <a:buSzTx/>
+              <a:buFontTx/>
+              <a:buNone/>
+              <a:tabLst/>
+            </a:pPr>
+            <a:r>
+              <a:rPr kumimoji="0" lang="de-DE" altLang="ko-KR" sz="1600" b="0" i="0" u="none" strike="noStrike" cap="none" normalizeH="0" baseline="0" dirty="0" err="1">
+                <a:ln>
+                  <a:noFill/>
+                </a:ln>
+                <a:solidFill>
+                  <a:schemeClr val="tx1"/>
+                </a:solidFill>
+                <a:effectLst/>
+                <a:latin typeface="Calibri" panose="020F0502020204030204" pitchFamily="34" charset="0"/>
+                <a:ea typeface="Malgun Gothic" panose="020B0503020000020004" pitchFamily="34" charset="-127"/>
+                <a:cs typeface="Times New Roman" panose="02020603050405020304" pitchFamily="18" charset="0"/>
+              </a:rPr>
+              <a:t>Keyframe</a:t>
+            </a:r>
+            <a:r>
+              <a:rPr kumimoji="0" lang="de-DE" altLang="ko-KR" sz="1600" b="0" i="0" u="none" strike="noStrike" cap="none" normalizeH="0" baseline="0" dirty="0">
+                <a:ln>
+                  <a:noFill/>
+                </a:ln>
+                <a:solidFill>
+                  <a:schemeClr val="tx1"/>
+                </a:solidFill>
+                <a:effectLst/>
+                <a:latin typeface="Calibri" panose="020F0502020204030204" pitchFamily="34" charset="0"/>
+                <a:ea typeface="Malgun Gothic" panose="020B0503020000020004" pitchFamily="34" charset="-127"/>
+                <a:cs typeface="Times New Roman" panose="02020603050405020304" pitchFamily="18" charset="0"/>
+              </a:rPr>
+              <a:t> B</a:t>
+            </a:r>
+            <a:endParaRPr kumimoji="0" lang="de-DE" altLang="ko-KR" sz="1800" b="0" i="0" u="none" strike="noStrike" cap="none" normalizeH="0" baseline="0" dirty="0">
+              <a:ln>
+                <a:noFill/>
+              </a:ln>
+              <a:solidFill>
+                <a:schemeClr val="tx1"/>
+              </a:solidFill>
+              <a:effectLst/>
+              <a:latin typeface="Arial" panose="020B0604020202020204" pitchFamily="34" charset="0"/>
+            </a:endParaRPr>
+          </a:p>
+        </p:txBody>
+      </p:sp>
+      <p:sp>
+        <p:nvSpPr>
+          <p:cNvPr id="31" name="Ellipse 30">
+            <a:extLst>
+              <a:ext uri="{FF2B5EF4-FFF2-40B4-BE49-F238E27FC236}">
+                <a16:creationId xmlns:a16="http://schemas.microsoft.com/office/drawing/2014/main" id="{C62F4C29-B4D8-A087-9C06-81637135DB72}"/>
+              </a:ext>
+            </a:extLst>
+          </p:cNvPr>
+          <p:cNvSpPr/>
+          <p:nvPr/>
+        </p:nvSpPr>
+        <p:spPr>
+          <a:xfrm>
+            <a:off x="4459974" y="3004318"/>
+            <a:ext cx="482600" cy="482600"/>
+          </a:xfrm>
+          <a:prstGeom prst="ellipse">
+            <a:avLst/>
+          </a:prstGeom>
+          <a:solidFill>
+            <a:srgbClr val="4472C4">
+              <a:alpha val="30196"/>
+            </a:srgbClr>
+          </a:solidFill>
+        </p:spPr>
+        <p:style>
+          <a:lnRef idx="2">
+            <a:schemeClr val="accent1">
+              <a:shade val="50000"/>
+            </a:schemeClr>
+          </a:lnRef>
+          <a:fillRef idx="1">
+            <a:schemeClr val="accent1"/>
+          </a:fillRef>
+          <a:effectRef idx="0">
+            <a:schemeClr val="accent1"/>
+          </a:effectRef>
+          <a:fontRef idx="minor">
+            <a:schemeClr val="lt1"/>
+          </a:fontRef>
+        </p:style>
+        <p:txBody>
+          <a:bodyPr rot="0" spcFirstLastPara="0" vert="horz" wrap="square" lIns="91440" tIns="45720" rIns="91440" bIns="45720" numCol="1" spcCol="0" rtlCol="0" fromWordArt="0" anchor="ctr" anchorCtr="0" forceAA="0" compatLnSpc="1">
+            <a:prstTxWarp prst="textNoShape">
+              <a:avLst/>
+            </a:prstTxWarp>
+            <a:noAutofit/>
+          </a:bodyPr>
+          <a:lstStyle/>
+          <a:p>
+            <a:endParaRPr lang="en-US"/>
+          </a:p>
+        </p:txBody>
+      </p:sp>
+      <p:sp>
+        <p:nvSpPr>
+          <p:cNvPr id="32" name="Ellipse 31">
+            <a:extLst>
+              <a:ext uri="{FF2B5EF4-FFF2-40B4-BE49-F238E27FC236}">
+                <a16:creationId xmlns:a16="http://schemas.microsoft.com/office/drawing/2014/main" id="{B288749A-8F7B-1F96-4A75-08FDF0F29E2D}"/>
+              </a:ext>
+            </a:extLst>
+          </p:cNvPr>
+          <p:cNvSpPr/>
+          <p:nvPr/>
+        </p:nvSpPr>
+        <p:spPr>
+          <a:xfrm>
+            <a:off x="5607184" y="3872287"/>
+            <a:ext cx="482600" cy="482600"/>
+          </a:xfrm>
+          <a:prstGeom prst="ellipse">
+            <a:avLst/>
+          </a:prstGeom>
+          <a:solidFill>
+            <a:srgbClr val="4472C4">
+              <a:alpha val="30196"/>
+            </a:srgbClr>
+          </a:solidFill>
+        </p:spPr>
+        <p:style>
+          <a:lnRef idx="2">
+            <a:schemeClr val="accent1">
+              <a:shade val="50000"/>
+            </a:schemeClr>
+          </a:lnRef>
+          <a:fillRef idx="1">
+            <a:schemeClr val="accent1"/>
+          </a:fillRef>
+          <a:effectRef idx="0">
+            <a:schemeClr val="accent1"/>
+          </a:effectRef>
+          <a:fontRef idx="minor">
+            <a:schemeClr val="lt1"/>
+          </a:fontRef>
+        </p:style>
+        <p:txBody>
+          <a:bodyPr rot="0" spcFirstLastPara="0" vert="horz" wrap="square" lIns="91440" tIns="45720" rIns="91440" bIns="45720" numCol="1" spcCol="0" rtlCol="0" fromWordArt="0" anchor="ctr" anchorCtr="0" forceAA="0" compatLnSpc="1">
+            <a:prstTxWarp prst="textNoShape">
+              <a:avLst/>
+            </a:prstTxWarp>
+            <a:noAutofit/>
+          </a:bodyPr>
+          <a:lstStyle/>
+          <a:p>
+            <a:endParaRPr lang="en-US"/>
+          </a:p>
+        </p:txBody>
+      </p:sp>
+      <p:sp>
+        <p:nvSpPr>
+          <p:cNvPr id="33" name="Ellipse 32">
+            <a:extLst>
+              <a:ext uri="{FF2B5EF4-FFF2-40B4-BE49-F238E27FC236}">
+                <a16:creationId xmlns:a16="http://schemas.microsoft.com/office/drawing/2014/main" id="{A07C06C1-D2D6-3130-8003-5063B41AD261}"/>
+              </a:ext>
+            </a:extLst>
+          </p:cNvPr>
+          <p:cNvSpPr/>
+          <p:nvPr/>
+        </p:nvSpPr>
+        <p:spPr>
+          <a:xfrm>
+            <a:off x="6920163" y="4591915"/>
+            <a:ext cx="482600" cy="482600"/>
+          </a:xfrm>
+          <a:prstGeom prst="ellipse">
+            <a:avLst/>
+          </a:prstGeom>
+          <a:solidFill>
+            <a:srgbClr val="4472C4">
+              <a:alpha val="30196"/>
+            </a:srgbClr>
+          </a:solidFill>
+        </p:spPr>
+        <p:style>
+          <a:lnRef idx="2">
+            <a:schemeClr val="accent1">
+              <a:shade val="50000"/>
+            </a:schemeClr>
+          </a:lnRef>
+          <a:fillRef idx="1">
+            <a:schemeClr val="accent1"/>
+          </a:fillRef>
+          <a:effectRef idx="0">
+            <a:schemeClr val="accent1"/>
+          </a:effectRef>
+          <a:fontRef idx="minor">
+            <a:schemeClr val="lt1"/>
+          </a:fontRef>
+        </p:style>
+        <p:txBody>
+          <a:bodyPr rot="0" spcFirstLastPara="0" vert="horz" wrap="square" lIns="91440" tIns="45720" rIns="91440" bIns="45720" numCol="1" spcCol="0" rtlCol="0" fromWordArt="0" anchor="ctr" anchorCtr="0" forceAA="0" compatLnSpc="1">
+            <a:prstTxWarp prst="textNoShape">
+              <a:avLst/>
+            </a:prstTxWarp>
+            <a:noAutofit/>
+          </a:bodyPr>
+          <a:lstStyle/>
+          <a:p>
+            <a:endParaRPr lang="en-US"/>
+          </a:p>
+        </p:txBody>
+      </p:sp>
+      <p:sp>
+        <p:nvSpPr>
+          <p:cNvPr id="34" name="Textfeld 33">
+            <a:extLst>
+              <a:ext uri="{FF2B5EF4-FFF2-40B4-BE49-F238E27FC236}">
+                <a16:creationId xmlns:a16="http://schemas.microsoft.com/office/drawing/2014/main" id="{51A1F980-528B-1F41-29A4-9193FEF781BA}"/>
+              </a:ext>
+            </a:extLst>
+          </p:cNvPr>
+          <p:cNvSpPr txBox="1">
+            <a:spLocks noChangeArrowheads="1"/>
+          </p:cNvSpPr>
+          <p:nvPr/>
+        </p:nvSpPr>
+        <p:spPr bwMode="auto">
+          <a:xfrm>
+            <a:off x="6089134" y="3133727"/>
+            <a:ext cx="1441450" cy="412750"/>
+          </a:xfrm>
+          <a:prstGeom prst="rect">
+            <a:avLst/>
+          </a:prstGeom>
+          <a:noFill/>
+          <a:ln>
+            <a:noFill/>
+          </a:ln>
+          <a:extLst>
+            <a:ext uri="{909E8E84-426E-40DD-AFC4-6F175D3DCCD1}">
+              <a14:hiddenFill xmlns:a14="http://schemas.microsoft.com/office/drawing/2010/main">
+                <a:solidFill>
+                  <a:srgbClr val="FFFFFF"/>
+                </a:solidFill>
+              </a14:hiddenFill>
+            </a:ext>
+            <a:ext uri="{91240B29-F687-4F45-9708-019B960494DF}">
+              <a14:hiddenLine xmlns:a14="http://schemas.microsoft.com/office/drawing/2010/main" w="6350">
+                <a:solidFill>
+                  <a:srgbClr val="000000"/>
+                </a:solidFill>
+                <a:miter lim="800000"/>
+                <a:headEnd/>
+                <a:tailEnd/>
+              </a14:hiddenLine>
+            </a:ext>
+          </a:extLst>
+        </p:spPr>
+        <p:txBody>
+          <a:bodyPr vert="horz" wrap="square" lIns="91440" tIns="45720" rIns="91440" bIns="45720" numCol="1" anchor="t" anchorCtr="0" compatLnSpc="1">
+            <a:prstTxWarp prst="textNoShape">
+              <a:avLst/>
+            </a:prstTxWarp>
+          </a:bodyPr>
+          <a:lstStyle/>
+          <a:p>
+            <a:pPr marL="0" marR="0" lvl="0" indent="0" algn="l" defTabSz="914400" rtl="0" eaLnBrk="0" fontAlgn="base" latinLnBrk="0" hangingPunct="0">
+              <a:lnSpc>
+                <a:spcPct val="100000"/>
+              </a:lnSpc>
+              <a:spcBef>
+                <a:spcPct val="0"/>
+              </a:spcBef>
+              <a:spcAft>
+                <a:spcPct val="0"/>
+              </a:spcAft>
+              <a:buClrTx/>
+              <a:buSzTx/>
+              <a:buFontTx/>
+              <a:buNone/>
+              <a:tabLst/>
+            </a:pPr>
+            <a:r>
+              <a:rPr kumimoji="0" lang="de-DE" altLang="ko-KR" sz="1600" b="0" i="0" u="none" strike="noStrike" cap="none" normalizeH="0" baseline="0" dirty="0">
+                <a:ln>
+                  <a:noFill/>
+                </a:ln>
+                <a:solidFill>
+                  <a:schemeClr val="tx1"/>
+                </a:solidFill>
+                <a:effectLst/>
+                <a:latin typeface="Calibri" panose="020F0502020204030204" pitchFamily="34" charset="0"/>
+                <a:ea typeface="Malgun Gothic" panose="020B0503020000020004" pitchFamily="34" charset="-127"/>
+                <a:cs typeface="Times New Roman" panose="02020603050405020304" pitchFamily="18" charset="0"/>
+              </a:rPr>
+              <a:t>Interpolierung</a:t>
+            </a:r>
+            <a:endParaRPr kumimoji="0" lang="de-DE" altLang="ko-KR" sz="1800" b="0" i="0" u="none" strike="noStrike" cap="none" normalizeH="0" baseline="0" dirty="0">
+              <a:ln>
+                <a:noFill/>
+              </a:ln>
+              <a:solidFill>
+                <a:schemeClr val="tx1"/>
+              </a:solidFill>
+              <a:effectLst/>
+              <a:latin typeface="Arial" panose="020B0604020202020204" pitchFamily="34" charset="0"/>
+            </a:endParaRPr>
+          </a:p>
+        </p:txBody>
+      </p:sp>
+      <p:cxnSp>
+        <p:nvCxnSpPr>
+          <p:cNvPr id="35" name="Gerade Verbindung mit Pfeil 34">
+            <a:extLst>
+              <a:ext uri="{FF2B5EF4-FFF2-40B4-BE49-F238E27FC236}">
+                <a16:creationId xmlns:a16="http://schemas.microsoft.com/office/drawing/2014/main" id="{C2E08DBB-365B-9A67-FAE8-6061618502B7}"/>
+              </a:ext>
+            </a:extLst>
+          </p:cNvPr>
+          <p:cNvCxnSpPr>
+            <a:cxnSpLocks/>
+          </p:cNvCxnSpPr>
+          <p:nvPr/>
+        </p:nvCxnSpPr>
+        <p:spPr>
+          <a:xfrm flipH="1" flipV="1">
+            <a:off x="4997960" y="3099216"/>
+            <a:ext cx="1084805" cy="197315"/>
+          </a:xfrm>
+          <a:prstGeom prst="straightConnector1">
+            <a:avLst/>
+          </a:prstGeom>
+          <a:ln w="38100">
+            <a:solidFill>
+              <a:schemeClr val="tx1"/>
+            </a:solidFill>
+            <a:tailEnd type="triangle"/>
+          </a:ln>
+        </p:spPr>
+        <p:style>
+          <a:lnRef idx="1">
+            <a:schemeClr val="accent1"/>
+          </a:lnRef>
+          <a:fillRef idx="0">
+            <a:schemeClr val="accent1"/>
+          </a:fillRef>
+          <a:effectRef idx="0">
+            <a:schemeClr val="accent1"/>
+          </a:effectRef>
+          <a:fontRef idx="minor">
+            <a:schemeClr val="tx1"/>
+          </a:fontRef>
+        </p:style>
+      </p:cxnSp>
+      <p:cxnSp>
+        <p:nvCxnSpPr>
+          <p:cNvPr id="36" name="Gerade Verbindung mit Pfeil 35">
+            <a:extLst>
+              <a:ext uri="{FF2B5EF4-FFF2-40B4-BE49-F238E27FC236}">
+                <a16:creationId xmlns:a16="http://schemas.microsoft.com/office/drawing/2014/main" id="{696CA530-8B7D-1551-DCE7-E465B60DD6FB}"/>
+              </a:ext>
+            </a:extLst>
+          </p:cNvPr>
+          <p:cNvCxnSpPr>
+            <a:cxnSpLocks/>
+            <a:endCxn id="32" idx="7"/>
+          </p:cNvCxnSpPr>
+          <p:nvPr/>
+        </p:nvCxnSpPr>
+        <p:spPr>
+          <a:xfrm flipH="1">
+            <a:off x="6019109" y="3469786"/>
+            <a:ext cx="362039" cy="473176"/>
+          </a:xfrm>
+          <a:prstGeom prst="straightConnector1">
+            <a:avLst/>
+          </a:prstGeom>
+          <a:ln w="38100">
+            <a:solidFill>
+              <a:schemeClr val="tx1"/>
+            </a:solidFill>
+            <a:tailEnd type="triangle"/>
+          </a:ln>
+        </p:spPr>
+        <p:style>
+          <a:lnRef idx="1">
+            <a:schemeClr val="accent1"/>
+          </a:lnRef>
+          <a:fillRef idx="0">
+            <a:schemeClr val="accent1"/>
+          </a:fillRef>
+          <a:effectRef idx="0">
+            <a:schemeClr val="accent1"/>
+          </a:effectRef>
+          <a:fontRef idx="minor">
+            <a:schemeClr val="tx1"/>
+          </a:fontRef>
+        </p:style>
+      </p:cxnSp>
+      <p:cxnSp>
+        <p:nvCxnSpPr>
+          <p:cNvPr id="37" name="Gerade Verbindung mit Pfeil 36">
+            <a:extLst>
+              <a:ext uri="{FF2B5EF4-FFF2-40B4-BE49-F238E27FC236}">
+                <a16:creationId xmlns:a16="http://schemas.microsoft.com/office/drawing/2014/main" id="{BC0EC35E-7DE2-7125-8275-D2EE25AC600C}"/>
+              </a:ext>
+            </a:extLst>
+          </p:cNvPr>
+          <p:cNvCxnSpPr>
+            <a:cxnSpLocks/>
+          </p:cNvCxnSpPr>
+          <p:nvPr/>
+        </p:nvCxnSpPr>
+        <p:spPr>
+          <a:xfrm>
+            <a:off x="6872036" y="3479411"/>
+            <a:ext cx="202131" cy="1029903"/>
+          </a:xfrm>
+          <a:prstGeom prst="straightConnector1">
+            <a:avLst/>
+          </a:prstGeom>
+          <a:ln w="38100">
+            <a:solidFill>
+              <a:schemeClr val="tx1"/>
+            </a:solidFill>
+            <a:tailEnd type="triangle"/>
+          </a:ln>
+        </p:spPr>
+        <p:style>
+          <a:lnRef idx="1">
+            <a:schemeClr val="accent1"/>
+          </a:lnRef>
+          <a:fillRef idx="0">
+            <a:schemeClr val="accent1"/>
+          </a:fillRef>
+          <a:effectRef idx="0">
+            <a:schemeClr val="accent1"/>
+          </a:effectRef>
+          <a:fontRef idx="minor">
+            <a:schemeClr val="tx1"/>
+          </a:fontRef>
+        </p:style>
+      </p:cxnSp>
+    </p:spTree>
+    <p:extLst>
+      <p:ext uri="{BB962C8B-B14F-4D97-AF65-F5344CB8AC3E}">
+        <p14:creationId xmlns:p14="http://schemas.microsoft.com/office/powerpoint/2010/main" val="4118789000"/>
       </p:ext>
     </p:extLst>
   </p:cSld>
